--- a/PPT/Class period 17.pptx
+++ b/PPT/Class period 17.pptx
@@ -119,6 +119,11 @@
       </a:defRPr>
     </a:lvl9pPr>
   </p:defaultTextStyle>
+  <p:extLst>
+    <p:ext uri="{EFAFB233-063F-42B5-8137-9DF3F51BA10A}">
+      <p15:sldGuideLst xmlns:p15="http://schemas.microsoft.com/office/powerpoint/2012/main"/>
+    </p:ext>
+  </p:extLst>
 </p:presentation>
 </file>
 
@@ -204,7 +209,7 @@
           <a:p>
             <a:fld id="{B28A2948-3273-4DA5-8B81-2F215D1C4327}" type="datetimeFigureOut">
               <a:rPr lang="en-US" smtClean="0"/>
-              <a:t>5/15/2024</a:t>
+              <a:t>6/17/2024</a:t>
             </a:fld>
             <a:endParaRPr lang="en-US"/>
           </a:p>
@@ -786,7 +791,7 @@
           <a:p>
             <a:fld id="{56BFDFE6-462E-4C21-81B3-8DFDEDB98E36}" type="datetimeFigureOut">
               <a:rPr lang="en-US" smtClean="0"/>
-              <a:t>5/15/2024</a:t>
+              <a:t>6/17/2024</a:t>
             </a:fld>
             <a:endParaRPr lang="en-US"/>
           </a:p>
@@ -984,7 +989,7 @@
           <a:p>
             <a:fld id="{56BFDFE6-462E-4C21-81B3-8DFDEDB98E36}" type="datetimeFigureOut">
               <a:rPr lang="en-US" smtClean="0"/>
-              <a:t>5/15/2024</a:t>
+              <a:t>6/17/2024</a:t>
             </a:fld>
             <a:endParaRPr lang="en-US"/>
           </a:p>
@@ -1192,7 +1197,7 @@
           <a:p>
             <a:fld id="{56BFDFE6-462E-4C21-81B3-8DFDEDB98E36}" type="datetimeFigureOut">
               <a:rPr lang="en-US" smtClean="0"/>
-              <a:t>5/15/2024</a:t>
+              <a:t>6/17/2024</a:t>
             </a:fld>
             <a:endParaRPr lang="en-US"/>
           </a:p>
@@ -1390,7 +1395,7 @@
           <a:p>
             <a:fld id="{56BFDFE6-462E-4C21-81B3-8DFDEDB98E36}" type="datetimeFigureOut">
               <a:rPr lang="en-US" smtClean="0"/>
-              <a:t>5/15/2024</a:t>
+              <a:t>6/17/2024</a:t>
             </a:fld>
             <a:endParaRPr lang="en-US"/>
           </a:p>
@@ -1665,7 +1670,7 @@
           <a:p>
             <a:fld id="{56BFDFE6-462E-4C21-81B3-8DFDEDB98E36}" type="datetimeFigureOut">
               <a:rPr lang="en-US" smtClean="0"/>
-              <a:t>5/15/2024</a:t>
+              <a:t>6/17/2024</a:t>
             </a:fld>
             <a:endParaRPr lang="en-US"/>
           </a:p>
@@ -1930,7 +1935,7 @@
           <a:p>
             <a:fld id="{56BFDFE6-462E-4C21-81B3-8DFDEDB98E36}" type="datetimeFigureOut">
               <a:rPr lang="en-US" smtClean="0"/>
-              <a:t>5/15/2024</a:t>
+              <a:t>6/17/2024</a:t>
             </a:fld>
             <a:endParaRPr lang="en-US"/>
           </a:p>
@@ -2342,7 +2347,7 @@
           <a:p>
             <a:fld id="{56BFDFE6-462E-4C21-81B3-8DFDEDB98E36}" type="datetimeFigureOut">
               <a:rPr lang="en-US" smtClean="0"/>
-              <a:t>5/15/2024</a:t>
+              <a:t>6/17/2024</a:t>
             </a:fld>
             <a:endParaRPr lang="en-US"/>
           </a:p>
@@ -2483,7 +2488,7 @@
           <a:p>
             <a:fld id="{56BFDFE6-462E-4C21-81B3-8DFDEDB98E36}" type="datetimeFigureOut">
               <a:rPr lang="en-US" smtClean="0"/>
-              <a:t>5/15/2024</a:t>
+              <a:t>6/17/2024</a:t>
             </a:fld>
             <a:endParaRPr lang="en-US"/>
           </a:p>
@@ -2596,7 +2601,7 @@
           <a:p>
             <a:fld id="{56BFDFE6-462E-4C21-81B3-8DFDEDB98E36}" type="datetimeFigureOut">
               <a:rPr lang="en-US" smtClean="0"/>
-              <a:t>5/15/2024</a:t>
+              <a:t>6/17/2024</a:t>
             </a:fld>
             <a:endParaRPr lang="en-US"/>
           </a:p>
@@ -2907,7 +2912,7 @@
           <a:p>
             <a:fld id="{56BFDFE6-462E-4C21-81B3-8DFDEDB98E36}" type="datetimeFigureOut">
               <a:rPr lang="en-US" smtClean="0"/>
-              <a:t>5/15/2024</a:t>
+              <a:t>6/17/2024</a:t>
             </a:fld>
             <a:endParaRPr lang="en-US"/>
           </a:p>
@@ -3195,7 +3200,7 @@
           <a:p>
             <a:fld id="{56BFDFE6-462E-4C21-81B3-8DFDEDB98E36}" type="datetimeFigureOut">
               <a:rPr lang="en-US" smtClean="0"/>
-              <a:t>5/15/2024</a:t>
+              <a:t>6/17/2024</a:t>
             </a:fld>
             <a:endParaRPr lang="en-US"/>
           </a:p>
@@ -3436,7 +3441,7 @@
           <a:p>
             <a:fld id="{56BFDFE6-462E-4C21-81B3-8DFDEDB98E36}" type="datetimeFigureOut">
               <a:rPr lang="en-US" smtClean="0"/>
-              <a:t>5/15/2024</a:t>
+              <a:t>6/17/2024</a:t>
             </a:fld>
             <a:endParaRPr lang="en-US"/>
           </a:p>
@@ -4080,6 +4085,73 @@
           </a:p>
         </p:txBody>
       </p:sp>
+      <p:sp>
+        <p:nvSpPr>
+          <p:cNvPr id="7" name="TextBox 6">
+            <a:extLst>
+              <a:ext uri="{FF2B5EF4-FFF2-40B4-BE49-F238E27FC236}">
+                <a16:creationId xmlns:a16="http://schemas.microsoft.com/office/drawing/2014/main" id="{2728478F-3CB5-114E-B331-7BFEEC712AF0}"/>
+              </a:ext>
+            </a:extLst>
+          </p:cNvPr>
+          <p:cNvSpPr txBox="1"/>
+          <p:nvPr/>
+        </p:nvSpPr>
+        <p:spPr>
+          <a:xfrm>
+            <a:off x="114677" y="6172611"/>
+            <a:ext cx="5532120" cy="461665"/>
+          </a:xfrm>
+          <a:prstGeom prst="rect">
+            <a:avLst/>
+          </a:prstGeom>
+          <a:noFill/>
+        </p:spPr>
+        <p:txBody>
+          <a:bodyPr wrap="square">
+            <a:spAutoFit/>
+          </a:bodyPr>
+          <a:lstStyle/>
+          <a:p>
+            <a:pPr algn="l"/>
+            <a:r>
+              <a:rPr lang="th-TH" sz="2400" dirty="0">
+                <a:latin typeface="TH SarabunPSK" panose="020B0500040200020003" pitchFamily="34" charset="-34"/>
+                <a:cs typeface="TH SarabunPSK" panose="020B0500040200020003" pitchFamily="34" charset="-34"/>
+              </a:rPr>
+              <a:t>โดย ผศ</a:t>
+            </a:r>
+            <a:r>
+              <a:rPr lang="en-US" sz="2400" dirty="0">
+                <a:latin typeface="TH SarabunPSK" panose="020B0500040200020003" pitchFamily="34" charset="-34"/>
+                <a:cs typeface="TH SarabunPSK" panose="020B0500040200020003" pitchFamily="34" charset="-34"/>
+              </a:rPr>
+              <a:t>. </a:t>
+            </a:r>
+            <a:r>
+              <a:rPr lang="th-TH" sz="2400" dirty="0">
+                <a:latin typeface="TH SarabunPSK" panose="020B0500040200020003" pitchFamily="34" charset="-34"/>
+                <a:cs typeface="TH SarabunPSK" panose="020B0500040200020003" pitchFamily="34" charset="-34"/>
+              </a:rPr>
+              <a:t>ดร</a:t>
+            </a:r>
+            <a:r>
+              <a:rPr lang="en-US" sz="2400" dirty="0">
+                <a:latin typeface="TH SarabunPSK" panose="020B0500040200020003" pitchFamily="34" charset="-34"/>
+                <a:cs typeface="TH SarabunPSK" panose="020B0500040200020003" pitchFamily="34" charset="-34"/>
+              </a:rPr>
+              <a:t>.</a:t>
+            </a:r>
+            <a:r>
+              <a:rPr lang="th-TH" sz="2400" dirty="0">
+                <a:latin typeface="TH SarabunPSK" panose="020B0500040200020003" pitchFamily="34" charset="-34"/>
+                <a:cs typeface="TH SarabunPSK" panose="020B0500040200020003" pitchFamily="34" charset="-34"/>
+              </a:rPr>
+              <a:t>ธนพงศ์ อินทระ สาขาวิชาสถิติ มหาวิทยาลัยขอนแก่น </a:t>
+            </a:r>
+          </a:p>
+        </p:txBody>
+      </p:sp>
     </p:spTree>
     <p:extLst>
       <p:ext uri="{BB962C8B-B14F-4D97-AF65-F5344CB8AC3E}">
@@ -4736,6 +4808,73 @@
           </a:p>
         </p:txBody>
       </p:sp>
+      <p:sp>
+        <p:nvSpPr>
+          <p:cNvPr id="9" name="TextBox 8">
+            <a:extLst>
+              <a:ext uri="{FF2B5EF4-FFF2-40B4-BE49-F238E27FC236}">
+                <a16:creationId xmlns:a16="http://schemas.microsoft.com/office/drawing/2014/main" id="{CCCE577F-B3D7-2ADE-F793-4126BFF71B18}"/>
+              </a:ext>
+            </a:extLst>
+          </p:cNvPr>
+          <p:cNvSpPr txBox="1"/>
+          <p:nvPr/>
+        </p:nvSpPr>
+        <p:spPr>
+          <a:xfrm>
+            <a:off x="114677" y="6172611"/>
+            <a:ext cx="5532120" cy="461665"/>
+          </a:xfrm>
+          <a:prstGeom prst="rect">
+            <a:avLst/>
+          </a:prstGeom>
+          <a:noFill/>
+        </p:spPr>
+        <p:txBody>
+          <a:bodyPr wrap="square">
+            <a:spAutoFit/>
+          </a:bodyPr>
+          <a:lstStyle/>
+          <a:p>
+            <a:pPr algn="l"/>
+            <a:r>
+              <a:rPr lang="th-TH" sz="2400" dirty="0">
+                <a:latin typeface="TH SarabunPSK" panose="020B0500040200020003" pitchFamily="34" charset="-34"/>
+                <a:cs typeface="TH SarabunPSK" panose="020B0500040200020003" pitchFamily="34" charset="-34"/>
+              </a:rPr>
+              <a:t>โดย ผศ</a:t>
+            </a:r>
+            <a:r>
+              <a:rPr lang="en-US" sz="2400" dirty="0">
+                <a:latin typeface="TH SarabunPSK" panose="020B0500040200020003" pitchFamily="34" charset="-34"/>
+                <a:cs typeface="TH SarabunPSK" panose="020B0500040200020003" pitchFamily="34" charset="-34"/>
+              </a:rPr>
+              <a:t>. </a:t>
+            </a:r>
+            <a:r>
+              <a:rPr lang="th-TH" sz="2400" dirty="0">
+                <a:latin typeface="TH SarabunPSK" panose="020B0500040200020003" pitchFamily="34" charset="-34"/>
+                <a:cs typeface="TH SarabunPSK" panose="020B0500040200020003" pitchFamily="34" charset="-34"/>
+              </a:rPr>
+              <a:t>ดร</a:t>
+            </a:r>
+            <a:r>
+              <a:rPr lang="en-US" sz="2400" dirty="0">
+                <a:latin typeface="TH SarabunPSK" panose="020B0500040200020003" pitchFamily="34" charset="-34"/>
+                <a:cs typeface="TH SarabunPSK" panose="020B0500040200020003" pitchFamily="34" charset="-34"/>
+              </a:rPr>
+              <a:t>.</a:t>
+            </a:r>
+            <a:r>
+              <a:rPr lang="th-TH" sz="2400" dirty="0">
+                <a:latin typeface="TH SarabunPSK" panose="020B0500040200020003" pitchFamily="34" charset="-34"/>
+                <a:cs typeface="TH SarabunPSK" panose="020B0500040200020003" pitchFamily="34" charset="-34"/>
+              </a:rPr>
+              <a:t>ธนพงศ์ อินทระ สาขาวิชาสถิติ มหาวิทยาลัยขอนแก่น </a:t>
+            </a:r>
+          </a:p>
+        </p:txBody>
+      </p:sp>
     </p:spTree>
     <p:extLst>
       <p:ext uri="{BB962C8B-B14F-4D97-AF65-F5344CB8AC3E}">
@@ -5744,6 +5883,73 @@
           </a:p>
         </p:txBody>
       </p:sp>
+      <p:sp>
+        <p:nvSpPr>
+          <p:cNvPr id="9" name="TextBox 8">
+            <a:extLst>
+              <a:ext uri="{FF2B5EF4-FFF2-40B4-BE49-F238E27FC236}">
+                <a16:creationId xmlns:a16="http://schemas.microsoft.com/office/drawing/2014/main" id="{32FE0EAE-CA05-A6E5-4BB0-F14AB0B01EA2}"/>
+              </a:ext>
+            </a:extLst>
+          </p:cNvPr>
+          <p:cNvSpPr txBox="1"/>
+          <p:nvPr/>
+        </p:nvSpPr>
+        <p:spPr>
+          <a:xfrm>
+            <a:off x="114677" y="6172611"/>
+            <a:ext cx="5532120" cy="461665"/>
+          </a:xfrm>
+          <a:prstGeom prst="rect">
+            <a:avLst/>
+          </a:prstGeom>
+          <a:noFill/>
+        </p:spPr>
+        <p:txBody>
+          <a:bodyPr wrap="square">
+            <a:spAutoFit/>
+          </a:bodyPr>
+          <a:lstStyle/>
+          <a:p>
+            <a:pPr algn="l"/>
+            <a:r>
+              <a:rPr lang="th-TH" sz="2400" dirty="0">
+                <a:latin typeface="TH SarabunPSK" panose="020B0500040200020003" pitchFamily="34" charset="-34"/>
+                <a:cs typeface="TH SarabunPSK" panose="020B0500040200020003" pitchFamily="34" charset="-34"/>
+              </a:rPr>
+              <a:t>โดย ผศ</a:t>
+            </a:r>
+            <a:r>
+              <a:rPr lang="en-US" sz="2400" dirty="0">
+                <a:latin typeface="TH SarabunPSK" panose="020B0500040200020003" pitchFamily="34" charset="-34"/>
+                <a:cs typeface="TH SarabunPSK" panose="020B0500040200020003" pitchFamily="34" charset="-34"/>
+              </a:rPr>
+              <a:t>. </a:t>
+            </a:r>
+            <a:r>
+              <a:rPr lang="th-TH" sz="2400" dirty="0">
+                <a:latin typeface="TH SarabunPSK" panose="020B0500040200020003" pitchFamily="34" charset="-34"/>
+                <a:cs typeface="TH SarabunPSK" panose="020B0500040200020003" pitchFamily="34" charset="-34"/>
+              </a:rPr>
+              <a:t>ดร</a:t>
+            </a:r>
+            <a:r>
+              <a:rPr lang="en-US" sz="2400" dirty="0">
+                <a:latin typeface="TH SarabunPSK" panose="020B0500040200020003" pitchFamily="34" charset="-34"/>
+                <a:cs typeface="TH SarabunPSK" panose="020B0500040200020003" pitchFamily="34" charset="-34"/>
+              </a:rPr>
+              <a:t>.</a:t>
+            </a:r>
+            <a:r>
+              <a:rPr lang="th-TH" sz="2400" dirty="0">
+                <a:latin typeface="TH SarabunPSK" panose="020B0500040200020003" pitchFamily="34" charset="-34"/>
+                <a:cs typeface="TH SarabunPSK" panose="020B0500040200020003" pitchFamily="34" charset="-34"/>
+              </a:rPr>
+              <a:t>ธนพงศ์ อินทระ สาขาวิชาสถิติ มหาวิทยาลัยขอนแก่น </a:t>
+            </a:r>
+          </a:p>
+        </p:txBody>
+      </p:sp>
     </p:spTree>
     <p:extLst>
       <p:ext uri="{BB962C8B-B14F-4D97-AF65-F5344CB8AC3E}">
@@ -6246,6 +6452,73 @@
           </a:prstGeom>
         </p:spPr>
       </p:pic>
+      <p:sp>
+        <p:nvSpPr>
+          <p:cNvPr id="9" name="TextBox 8">
+            <a:extLst>
+              <a:ext uri="{FF2B5EF4-FFF2-40B4-BE49-F238E27FC236}">
+                <a16:creationId xmlns:a16="http://schemas.microsoft.com/office/drawing/2014/main" id="{671BB4ED-4B35-1FBA-F442-036653A1F64F}"/>
+              </a:ext>
+            </a:extLst>
+          </p:cNvPr>
+          <p:cNvSpPr txBox="1"/>
+          <p:nvPr/>
+        </p:nvSpPr>
+        <p:spPr>
+          <a:xfrm>
+            <a:off x="114677" y="6172611"/>
+            <a:ext cx="5532120" cy="461665"/>
+          </a:xfrm>
+          <a:prstGeom prst="rect">
+            <a:avLst/>
+          </a:prstGeom>
+          <a:noFill/>
+        </p:spPr>
+        <p:txBody>
+          <a:bodyPr wrap="square">
+            <a:spAutoFit/>
+          </a:bodyPr>
+          <a:lstStyle/>
+          <a:p>
+            <a:pPr algn="l"/>
+            <a:r>
+              <a:rPr lang="th-TH" sz="2400" dirty="0">
+                <a:latin typeface="TH SarabunPSK" panose="020B0500040200020003" pitchFamily="34" charset="-34"/>
+                <a:cs typeface="TH SarabunPSK" panose="020B0500040200020003" pitchFamily="34" charset="-34"/>
+              </a:rPr>
+              <a:t>โดย ผศ</a:t>
+            </a:r>
+            <a:r>
+              <a:rPr lang="en-US" sz="2400" dirty="0">
+                <a:latin typeface="TH SarabunPSK" panose="020B0500040200020003" pitchFamily="34" charset="-34"/>
+                <a:cs typeface="TH SarabunPSK" panose="020B0500040200020003" pitchFamily="34" charset="-34"/>
+              </a:rPr>
+              <a:t>. </a:t>
+            </a:r>
+            <a:r>
+              <a:rPr lang="th-TH" sz="2400" dirty="0">
+                <a:latin typeface="TH SarabunPSK" panose="020B0500040200020003" pitchFamily="34" charset="-34"/>
+                <a:cs typeface="TH SarabunPSK" panose="020B0500040200020003" pitchFamily="34" charset="-34"/>
+              </a:rPr>
+              <a:t>ดร</a:t>
+            </a:r>
+            <a:r>
+              <a:rPr lang="en-US" sz="2400" dirty="0">
+                <a:latin typeface="TH SarabunPSK" panose="020B0500040200020003" pitchFamily="34" charset="-34"/>
+                <a:cs typeface="TH SarabunPSK" panose="020B0500040200020003" pitchFamily="34" charset="-34"/>
+              </a:rPr>
+              <a:t>.</a:t>
+            </a:r>
+            <a:r>
+              <a:rPr lang="th-TH" sz="2400" dirty="0">
+                <a:latin typeface="TH SarabunPSK" panose="020B0500040200020003" pitchFamily="34" charset="-34"/>
+                <a:cs typeface="TH SarabunPSK" panose="020B0500040200020003" pitchFamily="34" charset="-34"/>
+              </a:rPr>
+              <a:t>ธนพงศ์ อินทระ สาขาวิชาสถิติ มหาวิทยาลัยขอนแก่น </a:t>
+            </a:r>
+          </a:p>
+        </p:txBody>
+      </p:sp>
     </p:spTree>
     <p:extLst>
       <p:ext uri="{BB962C8B-B14F-4D97-AF65-F5344CB8AC3E}">
@@ -6859,6 +7132,73 @@
           </a:p>
         </p:txBody>
       </p:sp>
+      <p:sp>
+        <p:nvSpPr>
+          <p:cNvPr id="12" name="TextBox 11">
+            <a:extLst>
+              <a:ext uri="{FF2B5EF4-FFF2-40B4-BE49-F238E27FC236}">
+                <a16:creationId xmlns:a16="http://schemas.microsoft.com/office/drawing/2014/main" id="{2776E3B3-CDFB-2726-584D-F2FFCCD06FDE}"/>
+              </a:ext>
+            </a:extLst>
+          </p:cNvPr>
+          <p:cNvSpPr txBox="1"/>
+          <p:nvPr/>
+        </p:nvSpPr>
+        <p:spPr>
+          <a:xfrm>
+            <a:off x="114677" y="6172611"/>
+            <a:ext cx="5532120" cy="461665"/>
+          </a:xfrm>
+          <a:prstGeom prst="rect">
+            <a:avLst/>
+          </a:prstGeom>
+          <a:noFill/>
+        </p:spPr>
+        <p:txBody>
+          <a:bodyPr wrap="square">
+            <a:spAutoFit/>
+          </a:bodyPr>
+          <a:lstStyle/>
+          <a:p>
+            <a:pPr algn="l"/>
+            <a:r>
+              <a:rPr lang="th-TH" sz="2400" dirty="0">
+                <a:latin typeface="TH SarabunPSK" panose="020B0500040200020003" pitchFamily="34" charset="-34"/>
+                <a:cs typeface="TH SarabunPSK" panose="020B0500040200020003" pitchFamily="34" charset="-34"/>
+              </a:rPr>
+              <a:t>โดย ผศ</a:t>
+            </a:r>
+            <a:r>
+              <a:rPr lang="en-US" sz="2400" dirty="0">
+                <a:latin typeface="TH SarabunPSK" panose="020B0500040200020003" pitchFamily="34" charset="-34"/>
+                <a:cs typeface="TH SarabunPSK" panose="020B0500040200020003" pitchFamily="34" charset="-34"/>
+              </a:rPr>
+              <a:t>. </a:t>
+            </a:r>
+            <a:r>
+              <a:rPr lang="th-TH" sz="2400" dirty="0">
+                <a:latin typeface="TH SarabunPSK" panose="020B0500040200020003" pitchFamily="34" charset="-34"/>
+                <a:cs typeface="TH SarabunPSK" panose="020B0500040200020003" pitchFamily="34" charset="-34"/>
+              </a:rPr>
+              <a:t>ดร</a:t>
+            </a:r>
+            <a:r>
+              <a:rPr lang="en-US" sz="2400" dirty="0">
+                <a:latin typeface="TH SarabunPSK" panose="020B0500040200020003" pitchFamily="34" charset="-34"/>
+                <a:cs typeface="TH SarabunPSK" panose="020B0500040200020003" pitchFamily="34" charset="-34"/>
+              </a:rPr>
+              <a:t>.</a:t>
+            </a:r>
+            <a:r>
+              <a:rPr lang="th-TH" sz="2400" dirty="0">
+                <a:latin typeface="TH SarabunPSK" panose="020B0500040200020003" pitchFamily="34" charset="-34"/>
+                <a:cs typeface="TH SarabunPSK" panose="020B0500040200020003" pitchFamily="34" charset="-34"/>
+              </a:rPr>
+              <a:t>ธนพงศ์ อินทระ สาขาวิชาสถิติ มหาวิทยาลัยขอนแก่น </a:t>
+            </a:r>
+          </a:p>
+        </p:txBody>
+      </p:sp>
     </p:spTree>
     <p:extLst>
       <p:ext uri="{BB962C8B-B14F-4D97-AF65-F5344CB8AC3E}">
@@ -7378,6 +7718,73 @@
           </a:prstGeom>
         </p:spPr>
       </p:pic>
+      <p:sp>
+        <p:nvSpPr>
+          <p:cNvPr id="10" name="TextBox 9">
+            <a:extLst>
+              <a:ext uri="{FF2B5EF4-FFF2-40B4-BE49-F238E27FC236}">
+                <a16:creationId xmlns:a16="http://schemas.microsoft.com/office/drawing/2014/main" id="{BAC66D17-474C-F2C2-98E3-D6D867C30A36}"/>
+              </a:ext>
+            </a:extLst>
+          </p:cNvPr>
+          <p:cNvSpPr txBox="1"/>
+          <p:nvPr/>
+        </p:nvSpPr>
+        <p:spPr>
+          <a:xfrm>
+            <a:off x="114677" y="6172611"/>
+            <a:ext cx="5532120" cy="461665"/>
+          </a:xfrm>
+          <a:prstGeom prst="rect">
+            <a:avLst/>
+          </a:prstGeom>
+          <a:noFill/>
+        </p:spPr>
+        <p:txBody>
+          <a:bodyPr wrap="square">
+            <a:spAutoFit/>
+          </a:bodyPr>
+          <a:lstStyle/>
+          <a:p>
+            <a:pPr algn="l"/>
+            <a:r>
+              <a:rPr lang="th-TH" sz="2400" dirty="0">
+                <a:latin typeface="TH SarabunPSK" panose="020B0500040200020003" pitchFamily="34" charset="-34"/>
+                <a:cs typeface="TH SarabunPSK" panose="020B0500040200020003" pitchFamily="34" charset="-34"/>
+              </a:rPr>
+              <a:t>โดย ผศ</a:t>
+            </a:r>
+            <a:r>
+              <a:rPr lang="en-US" sz="2400" dirty="0">
+                <a:latin typeface="TH SarabunPSK" panose="020B0500040200020003" pitchFamily="34" charset="-34"/>
+                <a:cs typeface="TH SarabunPSK" panose="020B0500040200020003" pitchFamily="34" charset="-34"/>
+              </a:rPr>
+              <a:t>. </a:t>
+            </a:r>
+            <a:r>
+              <a:rPr lang="th-TH" sz="2400" dirty="0">
+                <a:latin typeface="TH SarabunPSK" panose="020B0500040200020003" pitchFamily="34" charset="-34"/>
+                <a:cs typeface="TH SarabunPSK" panose="020B0500040200020003" pitchFamily="34" charset="-34"/>
+              </a:rPr>
+              <a:t>ดร</a:t>
+            </a:r>
+            <a:r>
+              <a:rPr lang="en-US" sz="2400" dirty="0">
+                <a:latin typeface="TH SarabunPSK" panose="020B0500040200020003" pitchFamily="34" charset="-34"/>
+                <a:cs typeface="TH SarabunPSK" panose="020B0500040200020003" pitchFamily="34" charset="-34"/>
+              </a:rPr>
+              <a:t>.</a:t>
+            </a:r>
+            <a:r>
+              <a:rPr lang="th-TH" sz="2400" dirty="0">
+                <a:latin typeface="TH SarabunPSK" panose="020B0500040200020003" pitchFamily="34" charset="-34"/>
+                <a:cs typeface="TH SarabunPSK" panose="020B0500040200020003" pitchFamily="34" charset="-34"/>
+              </a:rPr>
+              <a:t>ธนพงศ์ อินทระ สาขาวิชาสถิติ มหาวิทยาลัยขอนแก่น </a:t>
+            </a:r>
+          </a:p>
+        </p:txBody>
+      </p:sp>
     </p:spTree>
     <p:extLst>
       <p:ext uri="{BB962C8B-B14F-4D97-AF65-F5344CB8AC3E}">
@@ -7924,6 +8331,73 @@
           </a:prstGeom>
         </p:spPr>
       </p:pic>
+      <p:sp>
+        <p:nvSpPr>
+          <p:cNvPr id="10" name="TextBox 9">
+            <a:extLst>
+              <a:ext uri="{FF2B5EF4-FFF2-40B4-BE49-F238E27FC236}">
+                <a16:creationId xmlns:a16="http://schemas.microsoft.com/office/drawing/2014/main" id="{3E4FC835-037E-7C73-D0CA-75ACD675B41C}"/>
+              </a:ext>
+            </a:extLst>
+          </p:cNvPr>
+          <p:cNvSpPr txBox="1"/>
+          <p:nvPr/>
+        </p:nvSpPr>
+        <p:spPr>
+          <a:xfrm>
+            <a:off x="114677" y="6172611"/>
+            <a:ext cx="5532120" cy="461665"/>
+          </a:xfrm>
+          <a:prstGeom prst="rect">
+            <a:avLst/>
+          </a:prstGeom>
+          <a:noFill/>
+        </p:spPr>
+        <p:txBody>
+          <a:bodyPr wrap="square">
+            <a:spAutoFit/>
+          </a:bodyPr>
+          <a:lstStyle/>
+          <a:p>
+            <a:pPr algn="l"/>
+            <a:r>
+              <a:rPr lang="th-TH" sz="2400" dirty="0">
+                <a:latin typeface="TH SarabunPSK" panose="020B0500040200020003" pitchFamily="34" charset="-34"/>
+                <a:cs typeface="TH SarabunPSK" panose="020B0500040200020003" pitchFamily="34" charset="-34"/>
+              </a:rPr>
+              <a:t>โดย ผศ</a:t>
+            </a:r>
+            <a:r>
+              <a:rPr lang="en-US" sz="2400" dirty="0">
+                <a:latin typeface="TH SarabunPSK" panose="020B0500040200020003" pitchFamily="34" charset="-34"/>
+                <a:cs typeface="TH SarabunPSK" panose="020B0500040200020003" pitchFamily="34" charset="-34"/>
+              </a:rPr>
+              <a:t>. </a:t>
+            </a:r>
+            <a:r>
+              <a:rPr lang="th-TH" sz="2400" dirty="0">
+                <a:latin typeface="TH SarabunPSK" panose="020B0500040200020003" pitchFamily="34" charset="-34"/>
+                <a:cs typeface="TH SarabunPSK" panose="020B0500040200020003" pitchFamily="34" charset="-34"/>
+              </a:rPr>
+              <a:t>ดร</a:t>
+            </a:r>
+            <a:r>
+              <a:rPr lang="en-US" sz="2400" dirty="0">
+                <a:latin typeface="TH SarabunPSK" panose="020B0500040200020003" pitchFamily="34" charset="-34"/>
+                <a:cs typeface="TH SarabunPSK" panose="020B0500040200020003" pitchFamily="34" charset="-34"/>
+              </a:rPr>
+              <a:t>.</a:t>
+            </a:r>
+            <a:r>
+              <a:rPr lang="th-TH" sz="2400" dirty="0">
+                <a:latin typeface="TH SarabunPSK" panose="020B0500040200020003" pitchFamily="34" charset="-34"/>
+                <a:cs typeface="TH SarabunPSK" panose="020B0500040200020003" pitchFamily="34" charset="-34"/>
+              </a:rPr>
+              <a:t>ธนพงศ์ อินทระ สาขาวิชาสถิติ มหาวิทยาลัยขอนแก่น </a:t>
+            </a:r>
+          </a:p>
+        </p:txBody>
+      </p:sp>
     </p:spTree>
     <p:extLst>
       <p:ext uri="{BB962C8B-B14F-4D97-AF65-F5344CB8AC3E}">
@@ -8583,6 +9057,73 @@
           </a:p>
         </p:txBody>
       </p:sp>
+      <p:sp>
+        <p:nvSpPr>
+          <p:cNvPr id="9" name="TextBox 8">
+            <a:extLst>
+              <a:ext uri="{FF2B5EF4-FFF2-40B4-BE49-F238E27FC236}">
+                <a16:creationId xmlns:a16="http://schemas.microsoft.com/office/drawing/2014/main" id="{663F9D7D-514E-2E20-F978-B6345A31EAA0}"/>
+              </a:ext>
+            </a:extLst>
+          </p:cNvPr>
+          <p:cNvSpPr txBox="1"/>
+          <p:nvPr/>
+        </p:nvSpPr>
+        <p:spPr>
+          <a:xfrm>
+            <a:off x="114677" y="6172611"/>
+            <a:ext cx="5532120" cy="461665"/>
+          </a:xfrm>
+          <a:prstGeom prst="rect">
+            <a:avLst/>
+          </a:prstGeom>
+          <a:noFill/>
+        </p:spPr>
+        <p:txBody>
+          <a:bodyPr wrap="square">
+            <a:spAutoFit/>
+          </a:bodyPr>
+          <a:lstStyle/>
+          <a:p>
+            <a:pPr algn="l"/>
+            <a:r>
+              <a:rPr lang="th-TH" sz="2400" dirty="0">
+                <a:latin typeface="TH SarabunPSK" panose="020B0500040200020003" pitchFamily="34" charset="-34"/>
+                <a:cs typeface="TH SarabunPSK" panose="020B0500040200020003" pitchFamily="34" charset="-34"/>
+              </a:rPr>
+              <a:t>โดย ผศ</a:t>
+            </a:r>
+            <a:r>
+              <a:rPr lang="en-US" sz="2400" dirty="0">
+                <a:latin typeface="TH SarabunPSK" panose="020B0500040200020003" pitchFamily="34" charset="-34"/>
+                <a:cs typeface="TH SarabunPSK" panose="020B0500040200020003" pitchFamily="34" charset="-34"/>
+              </a:rPr>
+              <a:t>. </a:t>
+            </a:r>
+            <a:r>
+              <a:rPr lang="th-TH" sz="2400" dirty="0">
+                <a:latin typeface="TH SarabunPSK" panose="020B0500040200020003" pitchFamily="34" charset="-34"/>
+                <a:cs typeface="TH SarabunPSK" panose="020B0500040200020003" pitchFamily="34" charset="-34"/>
+              </a:rPr>
+              <a:t>ดร</a:t>
+            </a:r>
+            <a:r>
+              <a:rPr lang="en-US" sz="2400" dirty="0">
+                <a:latin typeface="TH SarabunPSK" panose="020B0500040200020003" pitchFamily="34" charset="-34"/>
+                <a:cs typeface="TH SarabunPSK" panose="020B0500040200020003" pitchFamily="34" charset="-34"/>
+              </a:rPr>
+              <a:t>.</a:t>
+            </a:r>
+            <a:r>
+              <a:rPr lang="th-TH" sz="2400" dirty="0">
+                <a:latin typeface="TH SarabunPSK" panose="020B0500040200020003" pitchFamily="34" charset="-34"/>
+                <a:cs typeface="TH SarabunPSK" panose="020B0500040200020003" pitchFamily="34" charset="-34"/>
+              </a:rPr>
+              <a:t>ธนพงศ์ อินทระ สาขาวิชาสถิติ มหาวิทยาลัยขอนแก่น </a:t>
+            </a:r>
+          </a:p>
+        </p:txBody>
+      </p:sp>
     </p:spTree>
     <p:extLst>
       <p:ext uri="{BB962C8B-B14F-4D97-AF65-F5344CB8AC3E}">
@@ -9286,6 +9827,73 @@
           </a:p>
         </p:txBody>
       </p:sp>
+      <p:sp>
+        <p:nvSpPr>
+          <p:cNvPr id="9" name="TextBox 8">
+            <a:extLst>
+              <a:ext uri="{FF2B5EF4-FFF2-40B4-BE49-F238E27FC236}">
+                <a16:creationId xmlns:a16="http://schemas.microsoft.com/office/drawing/2014/main" id="{E46EB660-C42E-330A-51B8-BDF2C6AAF68F}"/>
+              </a:ext>
+            </a:extLst>
+          </p:cNvPr>
+          <p:cNvSpPr txBox="1"/>
+          <p:nvPr/>
+        </p:nvSpPr>
+        <p:spPr>
+          <a:xfrm>
+            <a:off x="114677" y="6172611"/>
+            <a:ext cx="5532120" cy="461665"/>
+          </a:xfrm>
+          <a:prstGeom prst="rect">
+            <a:avLst/>
+          </a:prstGeom>
+          <a:noFill/>
+        </p:spPr>
+        <p:txBody>
+          <a:bodyPr wrap="square">
+            <a:spAutoFit/>
+          </a:bodyPr>
+          <a:lstStyle/>
+          <a:p>
+            <a:pPr algn="l"/>
+            <a:r>
+              <a:rPr lang="th-TH" sz="2400" dirty="0">
+                <a:latin typeface="TH SarabunPSK" panose="020B0500040200020003" pitchFamily="34" charset="-34"/>
+                <a:cs typeface="TH SarabunPSK" panose="020B0500040200020003" pitchFamily="34" charset="-34"/>
+              </a:rPr>
+              <a:t>โดย ผศ</a:t>
+            </a:r>
+            <a:r>
+              <a:rPr lang="en-US" sz="2400" dirty="0">
+                <a:latin typeface="TH SarabunPSK" panose="020B0500040200020003" pitchFamily="34" charset="-34"/>
+                <a:cs typeface="TH SarabunPSK" panose="020B0500040200020003" pitchFamily="34" charset="-34"/>
+              </a:rPr>
+              <a:t>. </a:t>
+            </a:r>
+            <a:r>
+              <a:rPr lang="th-TH" sz="2400" dirty="0">
+                <a:latin typeface="TH SarabunPSK" panose="020B0500040200020003" pitchFamily="34" charset="-34"/>
+                <a:cs typeface="TH SarabunPSK" panose="020B0500040200020003" pitchFamily="34" charset="-34"/>
+              </a:rPr>
+              <a:t>ดร</a:t>
+            </a:r>
+            <a:r>
+              <a:rPr lang="en-US" sz="2400" dirty="0">
+                <a:latin typeface="TH SarabunPSK" panose="020B0500040200020003" pitchFamily="34" charset="-34"/>
+                <a:cs typeface="TH SarabunPSK" panose="020B0500040200020003" pitchFamily="34" charset="-34"/>
+              </a:rPr>
+              <a:t>.</a:t>
+            </a:r>
+            <a:r>
+              <a:rPr lang="th-TH" sz="2400" dirty="0">
+                <a:latin typeface="TH SarabunPSK" panose="020B0500040200020003" pitchFamily="34" charset="-34"/>
+                <a:cs typeface="TH SarabunPSK" panose="020B0500040200020003" pitchFamily="34" charset="-34"/>
+              </a:rPr>
+              <a:t>ธนพงศ์ อินทระ สาขาวิชาสถิติ มหาวิทยาลัยขอนแก่น </a:t>
+            </a:r>
+          </a:p>
+        </p:txBody>
+      </p:sp>
     </p:spTree>
     <p:extLst>
       <p:ext uri="{BB962C8B-B14F-4D97-AF65-F5344CB8AC3E}">
@@ -9963,6 +10571,73 @@
           </a:prstGeom>
         </p:spPr>
       </p:pic>
+      <p:sp>
+        <p:nvSpPr>
+          <p:cNvPr id="10" name="TextBox 9">
+            <a:extLst>
+              <a:ext uri="{FF2B5EF4-FFF2-40B4-BE49-F238E27FC236}">
+                <a16:creationId xmlns:a16="http://schemas.microsoft.com/office/drawing/2014/main" id="{6EDCE3A4-7F26-485B-2D63-4B3C9407BFE9}"/>
+              </a:ext>
+            </a:extLst>
+          </p:cNvPr>
+          <p:cNvSpPr txBox="1"/>
+          <p:nvPr/>
+        </p:nvSpPr>
+        <p:spPr>
+          <a:xfrm>
+            <a:off x="114677" y="6172611"/>
+            <a:ext cx="5532120" cy="461665"/>
+          </a:xfrm>
+          <a:prstGeom prst="rect">
+            <a:avLst/>
+          </a:prstGeom>
+          <a:noFill/>
+        </p:spPr>
+        <p:txBody>
+          <a:bodyPr wrap="square">
+            <a:spAutoFit/>
+          </a:bodyPr>
+          <a:lstStyle/>
+          <a:p>
+            <a:pPr algn="l"/>
+            <a:r>
+              <a:rPr lang="th-TH" sz="2400" dirty="0">
+                <a:latin typeface="TH SarabunPSK" panose="020B0500040200020003" pitchFamily="34" charset="-34"/>
+                <a:cs typeface="TH SarabunPSK" panose="020B0500040200020003" pitchFamily="34" charset="-34"/>
+              </a:rPr>
+              <a:t>โดย ผศ</a:t>
+            </a:r>
+            <a:r>
+              <a:rPr lang="en-US" sz="2400" dirty="0">
+                <a:latin typeface="TH SarabunPSK" panose="020B0500040200020003" pitchFamily="34" charset="-34"/>
+                <a:cs typeface="TH SarabunPSK" panose="020B0500040200020003" pitchFamily="34" charset="-34"/>
+              </a:rPr>
+              <a:t>. </a:t>
+            </a:r>
+            <a:r>
+              <a:rPr lang="th-TH" sz="2400" dirty="0">
+                <a:latin typeface="TH SarabunPSK" panose="020B0500040200020003" pitchFamily="34" charset="-34"/>
+                <a:cs typeface="TH SarabunPSK" panose="020B0500040200020003" pitchFamily="34" charset="-34"/>
+              </a:rPr>
+              <a:t>ดร</a:t>
+            </a:r>
+            <a:r>
+              <a:rPr lang="en-US" sz="2400" dirty="0">
+                <a:latin typeface="TH SarabunPSK" panose="020B0500040200020003" pitchFamily="34" charset="-34"/>
+                <a:cs typeface="TH SarabunPSK" panose="020B0500040200020003" pitchFamily="34" charset="-34"/>
+              </a:rPr>
+              <a:t>.</a:t>
+            </a:r>
+            <a:r>
+              <a:rPr lang="th-TH" sz="2400" dirty="0">
+                <a:latin typeface="TH SarabunPSK" panose="020B0500040200020003" pitchFamily="34" charset="-34"/>
+                <a:cs typeface="TH SarabunPSK" panose="020B0500040200020003" pitchFamily="34" charset="-34"/>
+              </a:rPr>
+              <a:t>ธนพงศ์ อินทระ สาขาวิชาสถิติ มหาวิทยาลัยขอนแก่น </a:t>
+            </a:r>
+          </a:p>
+        </p:txBody>
+      </p:sp>
     </p:spTree>
     <p:extLst>
       <p:ext uri="{BB962C8B-B14F-4D97-AF65-F5344CB8AC3E}">
@@ -10628,6 +11303,73 @@
           </a:p>
         </p:txBody>
       </p:sp>
+      <p:sp>
+        <p:nvSpPr>
+          <p:cNvPr id="9" name="TextBox 8">
+            <a:extLst>
+              <a:ext uri="{FF2B5EF4-FFF2-40B4-BE49-F238E27FC236}">
+                <a16:creationId xmlns:a16="http://schemas.microsoft.com/office/drawing/2014/main" id="{41513AD5-02C2-950E-B6A0-2DFBAA8F6029}"/>
+              </a:ext>
+            </a:extLst>
+          </p:cNvPr>
+          <p:cNvSpPr txBox="1"/>
+          <p:nvPr/>
+        </p:nvSpPr>
+        <p:spPr>
+          <a:xfrm>
+            <a:off x="114677" y="6172611"/>
+            <a:ext cx="5532120" cy="461665"/>
+          </a:xfrm>
+          <a:prstGeom prst="rect">
+            <a:avLst/>
+          </a:prstGeom>
+          <a:noFill/>
+        </p:spPr>
+        <p:txBody>
+          <a:bodyPr wrap="square">
+            <a:spAutoFit/>
+          </a:bodyPr>
+          <a:lstStyle/>
+          <a:p>
+            <a:pPr algn="l"/>
+            <a:r>
+              <a:rPr lang="th-TH" sz="2400" dirty="0">
+                <a:latin typeface="TH SarabunPSK" panose="020B0500040200020003" pitchFamily="34" charset="-34"/>
+                <a:cs typeface="TH SarabunPSK" panose="020B0500040200020003" pitchFamily="34" charset="-34"/>
+              </a:rPr>
+              <a:t>โดย ผศ</a:t>
+            </a:r>
+            <a:r>
+              <a:rPr lang="en-US" sz="2400" dirty="0">
+                <a:latin typeface="TH SarabunPSK" panose="020B0500040200020003" pitchFamily="34" charset="-34"/>
+                <a:cs typeface="TH SarabunPSK" panose="020B0500040200020003" pitchFamily="34" charset="-34"/>
+              </a:rPr>
+              <a:t>. </a:t>
+            </a:r>
+            <a:r>
+              <a:rPr lang="th-TH" sz="2400" dirty="0">
+                <a:latin typeface="TH SarabunPSK" panose="020B0500040200020003" pitchFamily="34" charset="-34"/>
+                <a:cs typeface="TH SarabunPSK" panose="020B0500040200020003" pitchFamily="34" charset="-34"/>
+              </a:rPr>
+              <a:t>ดร</a:t>
+            </a:r>
+            <a:r>
+              <a:rPr lang="en-US" sz="2400" dirty="0">
+                <a:latin typeface="TH SarabunPSK" panose="020B0500040200020003" pitchFamily="34" charset="-34"/>
+                <a:cs typeface="TH SarabunPSK" panose="020B0500040200020003" pitchFamily="34" charset="-34"/>
+              </a:rPr>
+              <a:t>.</a:t>
+            </a:r>
+            <a:r>
+              <a:rPr lang="th-TH" sz="2400" dirty="0">
+                <a:latin typeface="TH SarabunPSK" panose="020B0500040200020003" pitchFamily="34" charset="-34"/>
+                <a:cs typeface="TH SarabunPSK" panose="020B0500040200020003" pitchFamily="34" charset="-34"/>
+              </a:rPr>
+              <a:t>ธนพงศ์ อินทระ สาขาวิชาสถิติ มหาวิทยาลัยขอนแก่น </a:t>
+            </a:r>
+          </a:p>
+        </p:txBody>
+      </p:sp>
     </p:spTree>
     <p:extLst>
       <p:ext uri="{BB962C8B-B14F-4D97-AF65-F5344CB8AC3E}">
@@ -11277,6 +12019,73 @@
           </a:prstGeom>
         </p:spPr>
       </p:pic>
+      <p:sp>
+        <p:nvSpPr>
+          <p:cNvPr id="10" name="TextBox 9">
+            <a:extLst>
+              <a:ext uri="{FF2B5EF4-FFF2-40B4-BE49-F238E27FC236}">
+                <a16:creationId xmlns:a16="http://schemas.microsoft.com/office/drawing/2014/main" id="{A19A71B6-92E5-81CC-DE9B-E7DFA8B590F1}"/>
+              </a:ext>
+            </a:extLst>
+          </p:cNvPr>
+          <p:cNvSpPr txBox="1"/>
+          <p:nvPr/>
+        </p:nvSpPr>
+        <p:spPr>
+          <a:xfrm>
+            <a:off x="114677" y="6172611"/>
+            <a:ext cx="5532120" cy="461665"/>
+          </a:xfrm>
+          <a:prstGeom prst="rect">
+            <a:avLst/>
+          </a:prstGeom>
+          <a:noFill/>
+        </p:spPr>
+        <p:txBody>
+          <a:bodyPr wrap="square">
+            <a:spAutoFit/>
+          </a:bodyPr>
+          <a:lstStyle/>
+          <a:p>
+            <a:pPr algn="l"/>
+            <a:r>
+              <a:rPr lang="th-TH" sz="2400" dirty="0">
+                <a:latin typeface="TH SarabunPSK" panose="020B0500040200020003" pitchFamily="34" charset="-34"/>
+                <a:cs typeface="TH SarabunPSK" panose="020B0500040200020003" pitchFamily="34" charset="-34"/>
+              </a:rPr>
+              <a:t>โดย ผศ</a:t>
+            </a:r>
+            <a:r>
+              <a:rPr lang="en-US" sz="2400" dirty="0">
+                <a:latin typeface="TH SarabunPSK" panose="020B0500040200020003" pitchFamily="34" charset="-34"/>
+                <a:cs typeface="TH SarabunPSK" panose="020B0500040200020003" pitchFamily="34" charset="-34"/>
+              </a:rPr>
+              <a:t>. </a:t>
+            </a:r>
+            <a:r>
+              <a:rPr lang="th-TH" sz="2400" dirty="0">
+                <a:latin typeface="TH SarabunPSK" panose="020B0500040200020003" pitchFamily="34" charset="-34"/>
+                <a:cs typeface="TH SarabunPSK" panose="020B0500040200020003" pitchFamily="34" charset="-34"/>
+              </a:rPr>
+              <a:t>ดร</a:t>
+            </a:r>
+            <a:r>
+              <a:rPr lang="en-US" sz="2400" dirty="0">
+                <a:latin typeface="TH SarabunPSK" panose="020B0500040200020003" pitchFamily="34" charset="-34"/>
+                <a:cs typeface="TH SarabunPSK" panose="020B0500040200020003" pitchFamily="34" charset="-34"/>
+              </a:rPr>
+              <a:t>.</a:t>
+            </a:r>
+            <a:r>
+              <a:rPr lang="th-TH" sz="2400" dirty="0">
+                <a:latin typeface="TH SarabunPSK" panose="020B0500040200020003" pitchFamily="34" charset="-34"/>
+                <a:cs typeface="TH SarabunPSK" panose="020B0500040200020003" pitchFamily="34" charset="-34"/>
+              </a:rPr>
+              <a:t>ธนพงศ์ อินทระ สาขาวิชาสถิติ มหาวิทยาลัยขอนแก่น </a:t>
+            </a:r>
+          </a:p>
+        </p:txBody>
+      </p:sp>
     </p:spTree>
     <p:extLst>
       <p:ext uri="{BB962C8B-B14F-4D97-AF65-F5344CB8AC3E}">
@@ -12018,6 +12827,73 @@
           </a:prstGeom>
         </p:spPr>
       </p:pic>
+      <p:sp>
+        <p:nvSpPr>
+          <p:cNvPr id="10" name="TextBox 9">
+            <a:extLst>
+              <a:ext uri="{FF2B5EF4-FFF2-40B4-BE49-F238E27FC236}">
+                <a16:creationId xmlns:a16="http://schemas.microsoft.com/office/drawing/2014/main" id="{DBA33D53-07AB-5B28-FD0B-8C0C4D961BE5}"/>
+              </a:ext>
+            </a:extLst>
+          </p:cNvPr>
+          <p:cNvSpPr txBox="1"/>
+          <p:nvPr/>
+        </p:nvSpPr>
+        <p:spPr>
+          <a:xfrm>
+            <a:off x="114677" y="6172611"/>
+            <a:ext cx="5532120" cy="461665"/>
+          </a:xfrm>
+          <a:prstGeom prst="rect">
+            <a:avLst/>
+          </a:prstGeom>
+          <a:noFill/>
+        </p:spPr>
+        <p:txBody>
+          <a:bodyPr wrap="square">
+            <a:spAutoFit/>
+          </a:bodyPr>
+          <a:lstStyle/>
+          <a:p>
+            <a:pPr algn="l"/>
+            <a:r>
+              <a:rPr lang="th-TH" sz="2400" dirty="0">
+                <a:latin typeface="TH SarabunPSK" panose="020B0500040200020003" pitchFamily="34" charset="-34"/>
+                <a:cs typeface="TH SarabunPSK" panose="020B0500040200020003" pitchFamily="34" charset="-34"/>
+              </a:rPr>
+              <a:t>โดย ผศ</a:t>
+            </a:r>
+            <a:r>
+              <a:rPr lang="en-US" sz="2400" dirty="0">
+                <a:latin typeface="TH SarabunPSK" panose="020B0500040200020003" pitchFamily="34" charset="-34"/>
+                <a:cs typeface="TH SarabunPSK" panose="020B0500040200020003" pitchFamily="34" charset="-34"/>
+              </a:rPr>
+              <a:t>. </a:t>
+            </a:r>
+            <a:r>
+              <a:rPr lang="th-TH" sz="2400" dirty="0">
+                <a:latin typeface="TH SarabunPSK" panose="020B0500040200020003" pitchFamily="34" charset="-34"/>
+                <a:cs typeface="TH SarabunPSK" panose="020B0500040200020003" pitchFamily="34" charset="-34"/>
+              </a:rPr>
+              <a:t>ดร</a:t>
+            </a:r>
+            <a:r>
+              <a:rPr lang="en-US" sz="2400" dirty="0">
+                <a:latin typeface="TH SarabunPSK" panose="020B0500040200020003" pitchFamily="34" charset="-34"/>
+                <a:cs typeface="TH SarabunPSK" panose="020B0500040200020003" pitchFamily="34" charset="-34"/>
+              </a:rPr>
+              <a:t>.</a:t>
+            </a:r>
+            <a:r>
+              <a:rPr lang="th-TH" sz="2400" dirty="0">
+                <a:latin typeface="TH SarabunPSK" panose="020B0500040200020003" pitchFamily="34" charset="-34"/>
+                <a:cs typeface="TH SarabunPSK" panose="020B0500040200020003" pitchFamily="34" charset="-34"/>
+              </a:rPr>
+              <a:t>ธนพงศ์ อินทระ สาขาวิชาสถิติ มหาวิทยาลัยขอนแก่น </a:t>
+            </a:r>
+          </a:p>
+        </p:txBody>
+      </p:sp>
     </p:spTree>
     <p:extLst>
       <p:ext uri="{BB962C8B-B14F-4D97-AF65-F5344CB8AC3E}">
